--- a/CVs/employee_b.pptx
+++ b/CVs/employee_b.pptx
@@ -3142,7 +3142,7 @@
           <a:noFill/>
         </p:spPr>
         <p:txBody>
-          <a:bodyPr wrap="none">
+          <a:bodyPr wrap="square">
             <a:spAutoFit/>
           </a:bodyPr>
           <a:lstStyle/>
@@ -3175,7 +3175,7 @@
         <p:spPr>
           <a:xfrm>
             <a:off x="457200" y="2651760"/>
-            <a:ext cx="3657600" cy="1097280"/>
+            <a:ext cx="3657600" cy="1371600"/>
           </a:xfrm>
           <a:prstGeom prst="rect">
             <a:avLst/>
@@ -3183,7 +3183,7 @@
           <a:noFill/>
         </p:spPr>
         <p:txBody>
-          <a:bodyPr wrap="none">
+          <a:bodyPr wrap="square">
             <a:spAutoFit/>
           </a:bodyPr>
           <a:lstStyle/>
@@ -3202,7 +3202,15 @@
               <a:defRPr sz="1400"/>
             </a:pPr>
             <a:r>
-              <a:t>Universidade do Minho - Ciências da computação - 2025; Pedro II - Secundario Tecnico - 2020</a:t>
+              <a:t>Universidade do Minho - Ciências da computação - 2025</a:t>
+            </a:r>
+          </a:p>
+          <a:p>
+            <a:pPr>
+              <a:defRPr sz="1400"/>
+            </a:pPr>
+            <a:r>
+              <a:t>Pedro II - Secundario Tecnico - 2020</a:t>
             </a:r>
           </a:p>
         </p:txBody>
@@ -3224,7 +3232,7 @@
           <a:noFill/>
         </p:spPr>
         <p:txBody>
-          <a:bodyPr wrap="none">
+          <a:bodyPr wrap="square">
             <a:spAutoFit/>
           </a:bodyPr>
           <a:lstStyle/>
@@ -3243,39 +3251,39 @@
               <a:defRPr sz="1400"/>
             </a:pPr>
             <a:r>
+              <a:t>Java Programming language</a:t>
+            </a:r>
+            <a:br/>
+            <a:r>
+              <a:t>Java Enterprise Edition</a:t>
+            </a:r>
+            <a:br/>
+            <a:r>
+              <a:t>Configuration &amp; Release Management</a:t>
+            </a:r>
+            <a:br/>
+            <a:r>
               <a:t>Build Management</a:t>
             </a:r>
             <a:br/>
             <a:r>
-              <a:t>Configuration &amp; Release Management</a:t>
+              <a:t>Design &amp; Build Enablement</a:t>
             </a:r>
             <a:br/>
             <a:r>
+              <a:t>Microsoft Development</a:t>
+            </a:r>
+            <a:br/>
+            <a:r>
+              <a:t>Java Enterprise Back End</a:t>
+            </a:r>
+            <a:br/>
+            <a:r>
+              <a:t>Microsoft</a:t>
+            </a:r>
+            <a:br/>
+            <a:r>
               <a:t>Custom Development</a:t>
-            </a:r>
-            <a:br/>
-            <a:r>
-              <a:t>Design &amp; Build Enablement</a:t>
-            </a:r>
-            <a:br/>
-            <a:r>
-              <a:t>Java Enterprise Back End</a:t>
-            </a:r>
-            <a:br/>
-            <a:r>
-              <a:t>Java Enterprise Edition</a:t>
-            </a:r>
-            <a:br/>
-            <a:r>
-              <a:t>Java Programming language</a:t>
-            </a:r>
-            <a:br/>
-            <a:r>
-              <a:t>Microsoft</a:t>
-            </a:r>
-            <a:br/>
-            <a:r>
-              <a:t>Microsoft Development</a:t>
             </a:r>
           </a:p>
         </p:txBody>
@@ -3297,7 +3305,7 @@
           <a:noFill/>
         </p:spPr>
         <p:txBody>
-          <a:bodyPr wrap="none">
+          <a:bodyPr wrap="square">
             <a:spAutoFit/>
           </a:bodyPr>
           <a:lstStyle/>
@@ -3333,7 +3341,7 @@
         </p:nvSpPr>
         <p:spPr>
           <a:xfrm>
-            <a:off x="6217920" y="1463040"/>
+            <a:off x="5486400" y="2011680"/>
             <a:ext cx="3200400" cy="5486400"/>
           </a:xfrm>
           <a:prstGeom prst="rect">
@@ -3342,11 +3350,14 @@
           <a:noFill/>
         </p:spPr>
         <p:txBody>
-          <a:bodyPr wrap="none">
+          <a:bodyPr wrap="square">
             <a:spAutoFit/>
           </a:bodyPr>
           <a:lstStyle/>
           <a:p>
+            <a:pPr>
+              <a:defRPr sz="1400"/>
+            </a:pPr>
             <a:r>
               <a:rPr b="1">
                 <a:solidFill>
